--- a/Document/Rotary Youth Drive Awareness Project.pptx
+++ b/Document/Rotary Youth Drive Awareness Project.pptx
@@ -592,7 +592,7 @@
           <a:p>
             <a:fld id="{128FCA9C-FF92-4024-BDEC-A6D3B663DC09}" type="datetimeFigureOut">
               <a:rPr lang="en-US"/>
-              <a:t>10/2/2017</a:t>
+              <a:t>10/3/2017</a:t>
             </a:fld>
             <a:endParaRPr/>
           </a:p>
@@ -757,7 +757,7 @@
           <a:p>
             <a:fld id="{772AB877-E7B1-4681-847E-D0918612832B}" type="datetimeFigureOut">
               <a:rPr lang="en-US"/>
-              <a:t>10/2/2017</a:t>
+              <a:t>10/3/2017</a:t>
             </a:fld>
             <a:endParaRPr/>
           </a:p>
@@ -36479,7 +36479,7 @@
           <a:p>
             <a:fld id="{EDF33987-6305-4E2A-BF18-EF013ECE927B}" type="datetimeFigureOut">
               <a:rPr lang="en-US"/>
-              <a:t>10/2/2017</a:t>
+              <a:t>10/3/2017</a:t>
             </a:fld>
             <a:endParaRPr/>
           </a:p>
@@ -36691,7 +36691,7 @@
           <a:p>
             <a:fld id="{EDF33987-6305-4E2A-BF18-EF013ECE927B}" type="datetimeFigureOut">
               <a:rPr lang="en-US"/>
-              <a:t>10/2/2017</a:t>
+              <a:t>10/3/2017</a:t>
             </a:fld>
             <a:endParaRPr/>
           </a:p>
@@ -36893,7 +36893,7 @@
           <a:p>
             <a:fld id="{EDF33987-6305-4E2A-BF18-EF013ECE927B}" type="datetimeFigureOut">
               <a:rPr lang="en-US"/>
-              <a:t>10/2/2017</a:t>
+              <a:t>10/3/2017</a:t>
             </a:fld>
             <a:endParaRPr/>
           </a:p>
@@ -37158,7 +37158,7 @@
           <a:p>
             <a:fld id="{EDF33987-6305-4E2A-BF18-EF013ECE927B}" type="datetimeFigureOut">
               <a:rPr lang="en-US"/>
-              <a:t>10/2/2017</a:t>
+              <a:t>10/3/2017</a:t>
             </a:fld>
             <a:endParaRPr/>
           </a:p>
@@ -37466,7 +37466,7 @@
           <a:p>
             <a:fld id="{EDF33987-6305-4E2A-BF18-EF013ECE927B}" type="datetimeFigureOut">
               <a:rPr lang="en-US"/>
-              <a:t>10/2/2017</a:t>
+              <a:t>10/3/2017</a:t>
             </a:fld>
             <a:endParaRPr/>
           </a:p>
@@ -37926,7 +37926,7 @@
           <a:p>
             <a:fld id="{EDF33987-6305-4E2A-BF18-EF013ECE927B}" type="datetimeFigureOut">
               <a:rPr lang="en-US"/>
-              <a:t>10/2/2017</a:t>
+              <a:t>10/3/2017</a:t>
             </a:fld>
             <a:endParaRPr/>
           </a:p>
@@ -38060,7 +38060,7 @@
           <a:p>
             <a:fld id="{EDF33987-6305-4E2A-BF18-EF013ECE927B}" type="datetimeFigureOut">
               <a:rPr lang="en-US"/>
-              <a:t>10/2/2017</a:t>
+              <a:t>10/3/2017</a:t>
             </a:fld>
             <a:endParaRPr/>
           </a:p>
@@ -38171,7 +38171,7 @@
           <a:p>
             <a:fld id="{EDF33987-6305-4E2A-BF18-EF013ECE927B}" type="datetimeFigureOut">
               <a:rPr lang="en-US"/>
-              <a:t>10/2/2017</a:t>
+              <a:t>10/3/2017</a:t>
             </a:fld>
             <a:endParaRPr/>
           </a:p>
@@ -38542,7 +38542,7 @@
           <a:p>
             <a:fld id="{EDF33987-6305-4E2A-BF18-EF013ECE927B}" type="datetimeFigureOut">
               <a:rPr lang="en-US"/>
-              <a:t>10/2/2017</a:t>
+              <a:t>10/3/2017</a:t>
             </a:fld>
             <a:endParaRPr/>
           </a:p>
@@ -38906,7 +38906,7 @@
           <a:p>
             <a:fld id="{EDF33987-6305-4E2A-BF18-EF013ECE927B}" type="datetimeFigureOut">
               <a:rPr lang="en-US"/>
-              <a:t>10/2/2017</a:t>
+              <a:t>10/3/2017</a:t>
             </a:fld>
             <a:endParaRPr/>
           </a:p>
@@ -39174,7 +39174,7 @@
             <a:fld id="{EDF33987-6305-4E2A-BF18-EF013ECE927B}" type="datetimeFigureOut">
               <a:rPr lang="en-US" smtClean="0"/>
               <a:pPr/>
-              <a:t>10/2/2017</a:t>
+              <a:t>10/3/2017</a:t>
             </a:fld>
             <a:endParaRPr lang="en-US"/>
           </a:p>
@@ -45454,8 +45454,13 @@
             </a:r>
             <a:r>
               <a:rPr lang="en-US" dirty="0"/>
-              <a:t> (IDE)</a:t>
+              <a:t> (IDE), </a:t>
             </a:r>
+            <a:r>
+              <a:rPr lang="en-US"/>
+              <a:t>Github</a:t>
+            </a:r>
+            <a:endParaRPr lang="en-US" dirty="0"/>
           </a:p>
           <a:p>
             <a:r>

--- a/Document/Rotary Youth Drive Awareness Project.pptx
+++ b/Document/Rotary Youth Drive Awareness Project.pptx
@@ -45248,7 +45248,20 @@
             </a:r>
           </a:p>
           <a:p>
-            <a:endParaRPr lang="en-US" dirty="0"/>
+            <a:r>
+              <a:rPr lang="en-US" dirty="0"/>
+              <a:t>Applying password policies</a:t>
+            </a:r>
+          </a:p>
+          <a:p>
+            <a:r>
+              <a:rPr lang="en-US" dirty="0"/>
+              <a:t>Maintaining </a:t>
+            </a:r>
+            <a:r>
+              <a:rPr lang="en-US"/>
+              <a:t>authentication level</a:t>
+            </a:r>
           </a:p>
         </p:txBody>
       </p:sp>
@@ -45457,7 +45470,7 @@
               <a:t> (IDE), </a:t>
             </a:r>
             <a:r>
-              <a:rPr lang="en-US"/>
+              <a:rPr lang="en-US" dirty="0" err="1"/>
               <a:t>Github</a:t>
             </a:r>
             <a:endParaRPr lang="en-US" dirty="0"/>

--- a/Document/Rotary Youth Drive Awareness Project.pptx
+++ b/Document/Rotary Youth Drive Awareness Project.pptx
@@ -45262,6 +45262,7 @@
               <a:rPr lang="en-US"/>
               <a:t>authentication level</a:t>
             </a:r>
+            <a:endParaRPr lang="en-US" dirty="0"/>
           </a:p>
         </p:txBody>
       </p:sp>

--- a/Document/Rotary Youth Drive Awareness Project.pptx
+++ b/Document/Rotary Youth Drive Awareness Project.pptx
@@ -5,10 +5,10 @@
     <p:sldMasterId id="2147483648" r:id="rId1"/>
   </p:sldMasterIdLst>
   <p:notesMasterIdLst>
-    <p:notesMasterId r:id="rId41"/>
+    <p:notesMasterId r:id="rId42"/>
   </p:notesMasterIdLst>
   <p:handoutMasterIdLst>
-    <p:handoutMasterId r:id="rId42"/>
+    <p:handoutMasterId r:id="rId43"/>
   </p:handoutMasterIdLst>
   <p:sldIdLst>
     <p:sldId id="256" r:id="rId2"/>
@@ -40,16 +40,17 @@
     <p:sldId id="301" r:id="rId28"/>
     <p:sldId id="302" r:id="rId29"/>
     <p:sldId id="303" r:id="rId30"/>
-    <p:sldId id="304" r:id="rId31"/>
+    <p:sldId id="316" r:id="rId31"/>
     <p:sldId id="305" r:id="rId32"/>
-    <p:sldId id="306" r:id="rId33"/>
+    <p:sldId id="317" r:id="rId33"/>
     <p:sldId id="310" r:id="rId34"/>
-    <p:sldId id="311" r:id="rId35"/>
-    <p:sldId id="314" r:id="rId36"/>
-    <p:sldId id="307" r:id="rId37"/>
-    <p:sldId id="308" r:id="rId38"/>
-    <p:sldId id="312" r:id="rId39"/>
-    <p:sldId id="309" r:id="rId40"/>
+    <p:sldId id="319" r:id="rId35"/>
+    <p:sldId id="311" r:id="rId36"/>
+    <p:sldId id="318" r:id="rId37"/>
+    <p:sldId id="307" r:id="rId38"/>
+    <p:sldId id="308" r:id="rId39"/>
+    <p:sldId id="312" r:id="rId40"/>
+    <p:sldId id="309" r:id="rId41"/>
   </p:sldIdLst>
   <p:sldSz cx="12188825" cy="6858000"/>
   <p:notesSz cx="6858000" cy="9144000"/>
@@ -592,7 +593,7 @@
           <a:p>
             <a:fld id="{128FCA9C-FF92-4024-BDEC-A6D3B663DC09}" type="datetimeFigureOut">
               <a:rPr lang="en-US"/>
-              <a:t>10/3/2017</a:t>
+              <a:t>10/5/2017</a:t>
             </a:fld>
             <a:endParaRPr/>
           </a:p>
@@ -757,7 +758,7 @@
           <a:p>
             <a:fld id="{772AB877-E7B1-4681-847E-D0918612832B}" type="datetimeFigureOut">
               <a:rPr lang="en-US"/>
-              <a:t>10/3/2017</a:t>
+              <a:t>10/5/2017</a:t>
             </a:fld>
             <a:endParaRPr/>
           </a:p>
@@ -36479,7 +36480,7 @@
           <a:p>
             <a:fld id="{EDF33987-6305-4E2A-BF18-EF013ECE927B}" type="datetimeFigureOut">
               <a:rPr lang="en-US"/>
-              <a:t>10/3/2017</a:t>
+              <a:t>10/5/2017</a:t>
             </a:fld>
             <a:endParaRPr/>
           </a:p>
@@ -36691,7 +36692,7 @@
           <a:p>
             <a:fld id="{EDF33987-6305-4E2A-BF18-EF013ECE927B}" type="datetimeFigureOut">
               <a:rPr lang="en-US"/>
-              <a:t>10/3/2017</a:t>
+              <a:t>10/5/2017</a:t>
             </a:fld>
             <a:endParaRPr/>
           </a:p>
@@ -36893,7 +36894,7 @@
           <a:p>
             <a:fld id="{EDF33987-6305-4E2A-BF18-EF013ECE927B}" type="datetimeFigureOut">
               <a:rPr lang="en-US"/>
-              <a:t>10/3/2017</a:t>
+              <a:t>10/5/2017</a:t>
             </a:fld>
             <a:endParaRPr/>
           </a:p>
@@ -37158,7 +37159,7 @@
           <a:p>
             <a:fld id="{EDF33987-6305-4E2A-BF18-EF013ECE927B}" type="datetimeFigureOut">
               <a:rPr lang="en-US"/>
-              <a:t>10/3/2017</a:t>
+              <a:t>10/5/2017</a:t>
             </a:fld>
             <a:endParaRPr/>
           </a:p>
@@ -37466,7 +37467,7 @@
           <a:p>
             <a:fld id="{EDF33987-6305-4E2A-BF18-EF013ECE927B}" type="datetimeFigureOut">
               <a:rPr lang="en-US"/>
-              <a:t>10/3/2017</a:t>
+              <a:t>10/5/2017</a:t>
             </a:fld>
             <a:endParaRPr/>
           </a:p>
@@ -37926,7 +37927,7 @@
           <a:p>
             <a:fld id="{EDF33987-6305-4E2A-BF18-EF013ECE927B}" type="datetimeFigureOut">
               <a:rPr lang="en-US"/>
-              <a:t>10/3/2017</a:t>
+              <a:t>10/5/2017</a:t>
             </a:fld>
             <a:endParaRPr/>
           </a:p>
@@ -38060,7 +38061,7 @@
           <a:p>
             <a:fld id="{EDF33987-6305-4E2A-BF18-EF013ECE927B}" type="datetimeFigureOut">
               <a:rPr lang="en-US"/>
-              <a:t>10/3/2017</a:t>
+              <a:t>10/5/2017</a:t>
             </a:fld>
             <a:endParaRPr/>
           </a:p>
@@ -38171,7 +38172,7 @@
           <a:p>
             <a:fld id="{EDF33987-6305-4E2A-BF18-EF013ECE927B}" type="datetimeFigureOut">
               <a:rPr lang="en-US"/>
-              <a:t>10/3/2017</a:t>
+              <a:t>10/5/2017</a:t>
             </a:fld>
             <a:endParaRPr/>
           </a:p>
@@ -38542,7 +38543,7 @@
           <a:p>
             <a:fld id="{EDF33987-6305-4E2A-BF18-EF013ECE927B}" type="datetimeFigureOut">
               <a:rPr lang="en-US"/>
-              <a:t>10/3/2017</a:t>
+              <a:t>10/5/2017</a:t>
             </a:fld>
             <a:endParaRPr/>
           </a:p>
@@ -38906,7 +38907,7 @@
           <a:p>
             <a:fld id="{EDF33987-6305-4E2A-BF18-EF013ECE927B}" type="datetimeFigureOut">
               <a:rPr lang="en-US"/>
-              <a:t>10/3/2017</a:t>
+              <a:t>10/5/2017</a:t>
             </a:fld>
             <a:endParaRPr/>
           </a:p>
@@ -39174,7 +39175,7 @@
             <a:fld id="{EDF33987-6305-4E2A-BF18-EF013ECE927B}" type="datetimeFigureOut">
               <a:rPr lang="en-US" smtClean="0"/>
               <a:pPr/>
-              <a:t>10/3/2017</a:t>
+              <a:t>10/5/2017</a:t>
             </a:fld>
             <a:endParaRPr lang="en-US"/>
           </a:p>
@@ -39606,7 +39607,15 @@
             <a:pPr algn="ctr"/>
             <a:r>
               <a:rPr lang="en-US" dirty="0"/>
-              <a:t>Rotary Youth Drive Awareness Project</a:t>
+              <a:t>Rotary </a:t>
+            </a:r>
+            <a:r>
+              <a:rPr lang="en-US"/>
+              <a:t>Youth Driver </a:t>
+            </a:r>
+            <a:r>
+              <a:rPr lang="en-US" dirty="0"/>
+              <a:t>Awareness Project</a:t>
             </a:r>
             <a:br>
               <a:rPr lang="en-US" dirty="0"/>
@@ -42857,47 +42866,39 @@
           </a:p>
         </p:txBody>
       </p:sp>
-      <p:sp>
-        <p:nvSpPr>
-          <p:cNvPr id="3" name="Content Placeholder 2"/>
-          <p:cNvSpPr>
-            <a:spLocks noGrp="1"/>
-          </p:cNvSpPr>
+      <p:pic>
+        <p:nvPicPr>
+          <p:cNvPr id="14" name="Content Placeholder 13">
+            <a:extLst>
+              <a:ext uri="{FF2B5EF4-FFF2-40B4-BE49-F238E27FC236}">
+                <a16:creationId xmlns:a16="http://schemas.microsoft.com/office/drawing/2014/main" id="{3778177D-25D2-4FE9-9647-D72812E53EF6}"/>
+              </a:ext>
+            </a:extLst>
+          </p:cNvPr>
+          <p:cNvPicPr>
+            <a:picLocks noGrp="1" noChangeAspect="1"/>
+          </p:cNvPicPr>
           <p:nvPr>
             <p:ph idx="1"/>
           </p:nvPr>
-        </p:nvSpPr>
-        <p:spPr/>
-        <p:txBody>
-          <a:bodyPr/>
-          <a:lstStyle/>
-          <a:p>
-            <a:endParaRPr lang="en-MY"/>
-          </a:p>
-        </p:txBody>
-      </p:sp>
-      <p:pic>
-        <p:nvPicPr>
-          <p:cNvPr id="4" name="Picture 3"/>
-          <p:cNvPicPr>
-            <a:picLocks noChangeAspect="1"/>
-          </p:cNvPicPr>
-          <p:nvPr/>
         </p:nvPicPr>
         <p:blipFill>
-          <a:blip r:embed="rId2"/>
+          <a:blip r:embed="rId2">
+            <a:extLst>
+              <a:ext uri="{28A0092B-C50C-407E-A947-70E740481C1C}">
+                <a14:useLocalDpi xmlns:a14="http://schemas.microsoft.com/office/drawing/2010/main" val="0"/>
+              </a:ext>
+            </a:extLst>
+          </a:blip>
           <a:stretch>
             <a:fillRect/>
           </a:stretch>
         </p:blipFill>
         <p:spPr>
           <a:xfrm>
-            <a:off x="1065212" y="1447799"/>
-            <a:ext cx="10243429" cy="4891347"/>
+            <a:off x="3198813" y="1495177"/>
+            <a:ext cx="5791200" cy="5010646"/>
           </a:xfrm>
-          <a:prstGeom prst="rect">
-            <a:avLst/>
-          </a:prstGeom>
         </p:spPr>
       </p:pic>
     </p:spTree>
@@ -42978,22 +42979,34 @@
       </p:sp>
       <p:pic>
         <p:nvPicPr>
-          <p:cNvPr id="4" name="Picture 3"/>
+          <p:cNvPr id="6" name="Picture 5">
+            <a:extLst>
+              <a:ext uri="{FF2B5EF4-FFF2-40B4-BE49-F238E27FC236}">
+                <a16:creationId xmlns:a16="http://schemas.microsoft.com/office/drawing/2014/main" id="{47FFB20B-74ED-4AE4-AE57-8508D0F6E96E}"/>
+              </a:ext>
+            </a:extLst>
+          </p:cNvPr>
           <p:cNvPicPr>
             <a:picLocks noChangeAspect="1"/>
           </p:cNvPicPr>
           <p:nvPr/>
         </p:nvPicPr>
         <p:blipFill>
-          <a:blip r:embed="rId2"/>
+          <a:blip r:embed="rId2">
+            <a:extLst>
+              <a:ext uri="{28A0092B-C50C-407E-A947-70E740481C1C}">
+                <a14:useLocalDpi xmlns:a14="http://schemas.microsoft.com/office/drawing/2010/main" val="0"/>
+              </a:ext>
+            </a:extLst>
+          </a:blip>
           <a:stretch>
             <a:fillRect/>
           </a:stretch>
         </p:blipFill>
         <p:spPr>
           <a:xfrm>
-            <a:off x="298449" y="1552575"/>
-            <a:ext cx="11591925" cy="3752850"/>
+            <a:off x="1674812" y="1219200"/>
+            <a:ext cx="8991600" cy="5334286"/>
           </a:xfrm>
           <a:prstGeom prst="rect">
             <a:avLst/>
@@ -43178,22 +43191,34 @@
       </p:sp>
       <p:pic>
         <p:nvPicPr>
-          <p:cNvPr id="4" name="Picture 3"/>
+          <p:cNvPr id="5" name="Picture 4">
+            <a:extLst>
+              <a:ext uri="{FF2B5EF4-FFF2-40B4-BE49-F238E27FC236}">
+                <a16:creationId xmlns:a16="http://schemas.microsoft.com/office/drawing/2014/main" id="{ACE6AC2C-80FE-41AE-94D7-645C3D440568}"/>
+              </a:ext>
+            </a:extLst>
+          </p:cNvPr>
           <p:cNvPicPr>
             <a:picLocks noChangeAspect="1"/>
           </p:cNvPicPr>
           <p:nvPr/>
         </p:nvPicPr>
         <p:blipFill>
-          <a:blip r:embed="rId2"/>
+          <a:blip r:embed="rId2">
+            <a:extLst>
+              <a:ext uri="{28A0092B-C50C-407E-A947-70E740481C1C}">
+                <a14:useLocalDpi xmlns:a14="http://schemas.microsoft.com/office/drawing/2010/main" val="0"/>
+              </a:ext>
+            </a:extLst>
+          </a:blip>
           <a:stretch>
             <a:fillRect/>
           </a:stretch>
         </p:blipFill>
         <p:spPr>
           <a:xfrm>
-            <a:off x="1903412" y="1066800"/>
-            <a:ext cx="8077200" cy="5283241"/>
+            <a:off x="1990090" y="1371600"/>
+            <a:ext cx="8208646" cy="4724402"/>
           </a:xfrm>
           <a:prstGeom prst="rect">
             <a:avLst/>
@@ -43278,7 +43303,13 @@
       </p:sp>
       <p:pic>
         <p:nvPicPr>
-          <p:cNvPr id="5" name="Content Placeholder 4"/>
+          <p:cNvPr id="7" name="Content Placeholder 6">
+            <a:extLst>
+              <a:ext uri="{FF2B5EF4-FFF2-40B4-BE49-F238E27FC236}">
+                <a16:creationId xmlns:a16="http://schemas.microsoft.com/office/drawing/2014/main" id="{DEC3EFE9-F518-4B26-8EBD-1B447923D431}"/>
+              </a:ext>
+            </a:extLst>
+          </p:cNvPr>
           <p:cNvPicPr>
             <a:picLocks noGrp="1" noChangeAspect="1"/>
           </p:cNvPicPr>
@@ -43287,19 +43318,22 @@
           </p:nvPr>
         </p:nvPicPr>
         <p:blipFill>
-          <a:blip r:embed="rId2"/>
+          <a:blip r:embed="rId2">
+            <a:extLst>
+              <a:ext uri="{28A0092B-C50C-407E-A947-70E740481C1C}">
+                <a14:useLocalDpi xmlns:a14="http://schemas.microsoft.com/office/drawing/2010/main" val="0"/>
+              </a:ext>
+            </a:extLst>
+          </a:blip>
           <a:stretch>
             <a:fillRect/>
           </a:stretch>
         </p:blipFill>
         <p:spPr>
           <a:xfrm>
-            <a:off x="1217613" y="2152902"/>
-            <a:ext cx="9753600" cy="3695196"/>
+            <a:off x="1808962" y="1600199"/>
+            <a:ext cx="8570902" cy="4800602"/>
           </a:xfrm>
-          <a:prstGeom prst="rect">
-            <a:avLst/>
-          </a:prstGeom>
         </p:spPr>
       </p:pic>
     </p:spTree>
@@ -43380,14 +43414,20 @@
             </a:br>
             <a:r>
               <a:rPr lang="en-US" sz="3600" dirty="0"/>
-              <a:t>(Admin Create questions and answers)</a:t>
+              <a:t>(Admin Create questions list)</a:t>
             </a:r>
           </a:p>
         </p:txBody>
       </p:sp>
       <p:pic>
         <p:nvPicPr>
-          <p:cNvPr id="5" name="Content Placeholder 4"/>
+          <p:cNvPr id="11" name="Content Placeholder 10">
+            <a:extLst>
+              <a:ext uri="{FF2B5EF4-FFF2-40B4-BE49-F238E27FC236}">
+                <a16:creationId xmlns:a16="http://schemas.microsoft.com/office/drawing/2014/main" id="{18792A1C-C7FA-45A8-B312-C940C038B4E9}"/>
+              </a:ext>
+            </a:extLst>
+          </p:cNvPr>
           <p:cNvPicPr>
             <a:picLocks noGrp="1" noChangeAspect="1"/>
           </p:cNvPicPr>
@@ -43409,8 +43449,8 @@
         </p:blipFill>
         <p:spPr>
           <a:xfrm>
-            <a:off x="1981002" y="1828800"/>
-            <a:ext cx="8226821" cy="4343400"/>
+            <a:off x="1979613" y="1535379"/>
+            <a:ext cx="8229600" cy="4930242"/>
           </a:xfrm>
         </p:spPr>
       </p:pic>
@@ -44334,14 +44374,20 @@
             </a:br>
             <a:r>
               <a:rPr lang="en-US" sz="3600" dirty="0"/>
-              <a:t>(admin questions List)</a:t>
+              <a:t>(Admin Create questions and answers)</a:t>
             </a:r>
           </a:p>
         </p:txBody>
       </p:sp>
       <p:pic>
         <p:nvPicPr>
-          <p:cNvPr id="4" name="Content Placeholder 3"/>
+          <p:cNvPr id="7" name="Content Placeholder 6">
+            <a:extLst>
+              <a:ext uri="{FF2B5EF4-FFF2-40B4-BE49-F238E27FC236}">
+                <a16:creationId xmlns:a16="http://schemas.microsoft.com/office/drawing/2014/main" id="{1F79CED9-9431-41E3-ACEE-C9E146369A93}"/>
+              </a:ext>
+            </a:extLst>
+          </p:cNvPr>
           <p:cNvPicPr>
             <a:picLocks noGrp="1" noChangeAspect="1"/>
           </p:cNvPicPr>
@@ -44350,25 +44396,28 @@
           </p:nvPr>
         </p:nvPicPr>
         <p:blipFill>
-          <a:blip r:embed="rId2"/>
+          <a:blip r:embed="rId2">
+            <a:extLst>
+              <a:ext uri="{28A0092B-C50C-407E-A947-70E740481C1C}">
+                <a14:useLocalDpi xmlns:a14="http://schemas.microsoft.com/office/drawing/2010/main" val="0"/>
+              </a:ext>
+            </a:extLst>
+          </a:blip>
           <a:stretch>
             <a:fillRect/>
           </a:stretch>
         </p:blipFill>
         <p:spPr>
           <a:xfrm>
-            <a:off x="1429743" y="1828800"/>
-            <a:ext cx="9329339" cy="4343400"/>
+            <a:off x="2284414" y="1559493"/>
+            <a:ext cx="7619998" cy="4882014"/>
           </a:xfrm>
-          <a:prstGeom prst="rect">
-            <a:avLst/>
-          </a:prstGeom>
         </p:spPr>
       </p:pic>
     </p:spTree>
     <p:extLst>
       <p:ext uri="{BB962C8B-B14F-4D97-AF65-F5344CB8AC3E}">
-        <p14:creationId xmlns:p14="http://schemas.microsoft.com/office/powerpoint/2010/main" val="2373885233"/>
+        <p14:creationId xmlns:p14="http://schemas.microsoft.com/office/powerpoint/2010/main" val="3686139199"/>
       </p:ext>
     </p:extLst>
   </p:cSld>
@@ -44443,14 +44492,20 @@
             </a:br>
             <a:r>
               <a:rPr lang="en-US" sz="3600" dirty="0"/>
-              <a:t>(admin Create user)</a:t>
+              <a:t>(admin user List)</a:t>
             </a:r>
           </a:p>
         </p:txBody>
       </p:sp>
       <p:pic>
         <p:nvPicPr>
-          <p:cNvPr id="5" name="Content Placeholder 4"/>
+          <p:cNvPr id="11" name="Content Placeholder 10">
+            <a:extLst>
+              <a:ext uri="{FF2B5EF4-FFF2-40B4-BE49-F238E27FC236}">
+                <a16:creationId xmlns:a16="http://schemas.microsoft.com/office/drawing/2014/main" id="{5CE0F73D-818E-46C2-8B8A-CDE59E4857B4}"/>
+              </a:ext>
+            </a:extLst>
+          </p:cNvPr>
           <p:cNvPicPr>
             <a:picLocks noGrp="1" noChangeAspect="1"/>
           </p:cNvPicPr>
@@ -44472,8 +44527,8 @@
         </p:blipFill>
         <p:spPr>
           <a:xfrm>
-            <a:off x="3104212" y="1828800"/>
-            <a:ext cx="5980401" cy="4343400"/>
+            <a:off x="2284413" y="1570270"/>
+            <a:ext cx="7620000" cy="4860460"/>
           </a:xfrm>
         </p:spPr>
       </p:pic>
@@ -44555,14 +44610,20 @@
             </a:br>
             <a:r>
               <a:rPr lang="en-US" sz="3600" dirty="0"/>
-              <a:t>(admin Users list)</a:t>
+              <a:t>(admin Create user)</a:t>
             </a:r>
           </a:p>
         </p:txBody>
       </p:sp>
       <p:pic>
         <p:nvPicPr>
-          <p:cNvPr id="6" name="Content Placeholder 5"/>
+          <p:cNvPr id="7" name="Content Placeholder 6">
+            <a:extLst>
+              <a:ext uri="{FF2B5EF4-FFF2-40B4-BE49-F238E27FC236}">
+                <a16:creationId xmlns:a16="http://schemas.microsoft.com/office/drawing/2014/main" id="{FA0A730A-CF74-4DF6-A52D-30DFAC0859CE}"/>
+              </a:ext>
+            </a:extLst>
+          </p:cNvPr>
           <p:cNvPicPr>
             <a:picLocks noGrp="1" noChangeAspect="1"/>
           </p:cNvPicPr>
@@ -44584,15 +44645,15 @@
         </p:blipFill>
         <p:spPr>
           <a:xfrm>
-            <a:off x="1217613" y="2657029"/>
-            <a:ext cx="9753600" cy="2686942"/>
+            <a:off x="2132014" y="1531846"/>
+            <a:ext cx="7924798" cy="4937308"/>
           </a:xfrm>
         </p:spPr>
       </p:pic>
     </p:spTree>
     <p:extLst>
       <p:ext uri="{BB962C8B-B14F-4D97-AF65-F5344CB8AC3E}">
-        <p14:creationId xmlns:p14="http://schemas.microsoft.com/office/powerpoint/2010/main" val="2309582826"/>
+        <p14:creationId xmlns:p14="http://schemas.microsoft.com/office/powerpoint/2010/main" val="3712965570"/>
       </p:ext>
     </p:extLst>
   </p:cSld>
@@ -44674,7 +44735,13 @@
       </p:sp>
       <p:pic>
         <p:nvPicPr>
-          <p:cNvPr id="6" name="Content Placeholder 5"/>
+          <p:cNvPr id="7" name="Content Placeholder 6">
+            <a:extLst>
+              <a:ext uri="{FF2B5EF4-FFF2-40B4-BE49-F238E27FC236}">
+                <a16:creationId xmlns:a16="http://schemas.microsoft.com/office/drawing/2014/main" id="{5DFF0409-6CF5-40B8-9053-BDD4B1F5E511}"/>
+              </a:ext>
+            </a:extLst>
+          </p:cNvPr>
           <p:cNvPicPr>
             <a:picLocks noGrp="1" noChangeAspect="1"/>
           </p:cNvPicPr>
@@ -44696,8 +44763,8 @@
         </p:blipFill>
         <p:spPr>
           <a:xfrm>
-            <a:off x="1217613" y="2010909"/>
-            <a:ext cx="9753600" cy="3979182"/>
+            <a:off x="2132013" y="1571933"/>
+            <a:ext cx="7924800" cy="4857134"/>
           </a:xfrm>
         </p:spPr>
       </p:pic>
@@ -44779,31 +44846,41 @@
             </a:br>
             <a:r>
               <a:rPr lang="en-US" sz="3600" dirty="0"/>
-              <a:t>(admin Quiz attempt Report list)</a:t>
+              <a:t>(admin Individual attempt Report)</a:t>
             </a:r>
           </a:p>
         </p:txBody>
       </p:sp>
       <p:pic>
         <p:nvPicPr>
-          <p:cNvPr id="4" name="Content Placeholder 3"/>
+          <p:cNvPr id="5" name="Picture 4">
+            <a:extLst>
+              <a:ext uri="{FF2B5EF4-FFF2-40B4-BE49-F238E27FC236}">
+                <a16:creationId xmlns:a16="http://schemas.microsoft.com/office/drawing/2014/main" id="{86A7FF53-8808-496E-9B9A-6D193C08ADD8}"/>
+              </a:ext>
+            </a:extLst>
+          </p:cNvPr>
           <p:cNvPicPr>
-            <a:picLocks noGrp="1" noChangeAspect="1"/>
+            <a:picLocks noChangeAspect="1"/>
           </p:cNvPicPr>
-          <p:nvPr>
-            <p:ph idx="1"/>
-          </p:nvPr>
+          <p:nvPr/>
         </p:nvPicPr>
         <p:blipFill>
-          <a:blip r:embed="rId2"/>
+          <a:blip r:embed="rId2">
+            <a:extLst>
+              <a:ext uri="{28A0092B-C50C-407E-A947-70E740481C1C}">
+                <a14:useLocalDpi xmlns:a14="http://schemas.microsoft.com/office/drawing/2010/main" val="0"/>
+              </a:ext>
+            </a:extLst>
+          </a:blip>
           <a:stretch>
             <a:fillRect/>
           </a:stretch>
         </p:blipFill>
         <p:spPr>
           <a:xfrm>
-            <a:off x="1377447" y="1828800"/>
-            <a:ext cx="9433931" cy="4343400"/>
+            <a:off x="2208214" y="1331794"/>
+            <a:ext cx="7772400" cy="5163670"/>
           </a:xfrm>
           <a:prstGeom prst="rect">
             <a:avLst/>
@@ -44813,7 +44890,7 @@
     </p:spTree>
     <p:extLst>
       <p:ext uri="{BB962C8B-B14F-4D97-AF65-F5344CB8AC3E}">
-        <p14:creationId xmlns:p14="http://schemas.microsoft.com/office/powerpoint/2010/main" val="1680196871"/>
+        <p14:creationId xmlns:p14="http://schemas.microsoft.com/office/powerpoint/2010/main" val="2031456913"/>
       </p:ext>
     </p:extLst>
   </p:cSld>
@@ -44888,39 +44965,50 @@
             </a:br>
             <a:r>
               <a:rPr lang="en-US" sz="3600" dirty="0"/>
-              <a:t>(admin Individual attempt Report)</a:t>
+              <a:t>(admin Quiz attempt Report list)</a:t>
             </a:r>
           </a:p>
         </p:txBody>
       </p:sp>
       <p:pic>
         <p:nvPicPr>
-          <p:cNvPr id="4" name="Picture 3"/>
+          <p:cNvPr id="7" name="Content Placeholder 6">
+            <a:extLst>
+              <a:ext uri="{FF2B5EF4-FFF2-40B4-BE49-F238E27FC236}">
+                <a16:creationId xmlns:a16="http://schemas.microsoft.com/office/drawing/2014/main" id="{27DCECA3-31B9-4A7D-8EFF-7ADEC143BB04}"/>
+              </a:ext>
+            </a:extLst>
+          </p:cNvPr>
           <p:cNvPicPr>
-            <a:picLocks noChangeAspect="1"/>
+            <a:picLocks noGrp="1" noChangeAspect="1"/>
           </p:cNvPicPr>
-          <p:nvPr/>
+          <p:nvPr>
+            <p:ph idx="1"/>
+          </p:nvPr>
         </p:nvPicPr>
         <p:blipFill>
-          <a:blip r:embed="rId2"/>
+          <a:blip r:embed="rId2">
+            <a:extLst>
+              <a:ext uri="{28A0092B-C50C-407E-A947-70E740481C1C}">
+                <a14:useLocalDpi xmlns:a14="http://schemas.microsoft.com/office/drawing/2010/main" val="0"/>
+              </a:ext>
+            </a:extLst>
+          </a:blip>
           <a:stretch>
             <a:fillRect/>
           </a:stretch>
         </p:blipFill>
         <p:spPr>
           <a:xfrm>
-            <a:off x="1446212" y="1447800"/>
-            <a:ext cx="9023670" cy="5112827"/>
+            <a:off x="2208213" y="1516152"/>
+            <a:ext cx="7772400" cy="4968696"/>
           </a:xfrm>
-          <a:prstGeom prst="rect">
-            <a:avLst/>
-          </a:prstGeom>
         </p:spPr>
       </p:pic>
     </p:spTree>
     <p:extLst>
       <p:ext uri="{BB962C8B-B14F-4D97-AF65-F5344CB8AC3E}">
-        <p14:creationId xmlns:p14="http://schemas.microsoft.com/office/powerpoint/2010/main" val="485584612"/>
+        <p14:creationId xmlns:p14="http://schemas.microsoft.com/office/powerpoint/2010/main" val="1680196871"/>
       </p:ext>
     </p:extLst>
   </p:cSld>
@@ -44943,6 +45031,124 @@
 </file>
 
 <file path=ppt/slides/slide36.xml><?xml version="1.0" encoding="utf-8"?>
+<p:sld xmlns:a="http://schemas.openxmlformats.org/drawingml/2006/main" xmlns:r="http://schemas.openxmlformats.org/officeDocument/2006/relationships" xmlns:p="http://schemas.openxmlformats.org/presentationml/2006/main">
+  <p:cSld>
+    <p:spTree>
+      <p:nvGrpSpPr>
+        <p:cNvPr id="1" name=""/>
+        <p:cNvGrpSpPr/>
+        <p:nvPr/>
+      </p:nvGrpSpPr>
+      <p:grpSpPr>
+        <a:xfrm>
+          <a:off x="0" y="0"/>
+          <a:ext cx="0" cy="0"/>
+          <a:chOff x="0" y="0"/>
+          <a:chExt cx="0" cy="0"/>
+        </a:xfrm>
+      </p:grpSpPr>
+      <p:sp>
+        <p:nvSpPr>
+          <p:cNvPr id="2" name="Title 1"/>
+          <p:cNvSpPr>
+            <a:spLocks noGrp="1"/>
+          </p:cNvSpPr>
+          <p:nvPr>
+            <p:ph type="title"/>
+          </p:nvPr>
+        </p:nvSpPr>
+        <p:spPr>
+          <a:xfrm>
+            <a:off x="1217614" y="304800"/>
+            <a:ext cx="9753600" cy="990600"/>
+          </a:xfrm>
+        </p:spPr>
+        <p:txBody>
+          <a:bodyPr>
+            <a:normAutofit fontScale="90000"/>
+          </a:bodyPr>
+          <a:lstStyle/>
+          <a:p>
+            <a:pPr algn="ctr"/>
+            <a:r>
+              <a:rPr lang="en-US" sz="3600" dirty="0" err="1"/>
+              <a:t>ryda</a:t>
+            </a:r>
+            <a:r>
+              <a:rPr lang="en-US" sz="3600" dirty="0"/>
+              <a:t> User Interface </a:t>
+            </a:r>
+            <a:br>
+              <a:rPr lang="en-US" sz="3600" dirty="0"/>
+            </a:br>
+            <a:r>
+              <a:rPr lang="en-US" sz="3600" dirty="0"/>
+              <a:t>(admin Quiz attempt Enquiries list)</a:t>
+            </a:r>
+          </a:p>
+        </p:txBody>
+      </p:sp>
+      <p:pic>
+        <p:nvPicPr>
+          <p:cNvPr id="6" name="Content Placeholder 5">
+            <a:extLst>
+              <a:ext uri="{FF2B5EF4-FFF2-40B4-BE49-F238E27FC236}">
+                <a16:creationId xmlns:a16="http://schemas.microsoft.com/office/drawing/2014/main" id="{B14DBC34-C8FE-49FC-9657-55FC8A1B256E}"/>
+              </a:ext>
+            </a:extLst>
+          </p:cNvPr>
+          <p:cNvPicPr>
+            <a:picLocks noGrp="1" noChangeAspect="1"/>
+          </p:cNvPicPr>
+          <p:nvPr>
+            <p:ph idx="1"/>
+          </p:nvPr>
+        </p:nvPicPr>
+        <p:blipFill>
+          <a:blip r:embed="rId2">
+            <a:extLst>
+              <a:ext uri="{28A0092B-C50C-407E-A947-70E740481C1C}">
+                <a14:useLocalDpi xmlns:a14="http://schemas.microsoft.com/office/drawing/2010/main" val="0"/>
+              </a:ext>
+            </a:extLst>
+          </a:blip>
+          <a:stretch>
+            <a:fillRect/>
+          </a:stretch>
+        </p:blipFill>
+        <p:spPr>
+          <a:xfrm>
+            <a:off x="2208214" y="1717954"/>
+            <a:ext cx="7772398" cy="4565092"/>
+          </a:xfrm>
+        </p:spPr>
+      </p:pic>
+    </p:spTree>
+    <p:extLst>
+      <p:ext uri="{BB962C8B-B14F-4D97-AF65-F5344CB8AC3E}">
+        <p14:creationId xmlns:p14="http://schemas.microsoft.com/office/powerpoint/2010/main" val="2004790721"/>
+      </p:ext>
+    </p:extLst>
+  </p:cSld>
+  <p:clrMapOvr>
+    <a:masterClrMapping/>
+  </p:clrMapOvr>
+  <mc:AlternateContent xmlns:mc="http://schemas.openxmlformats.org/markup-compatibility/2006" xmlns:p14="http://schemas.microsoft.com/office/powerpoint/2010/main">
+    <mc:Choice Requires="p14">
+      <p:transition spd="med" p14:dur="700">
+        <p:fade/>
+      </p:transition>
+    </mc:Choice>
+    <mc:Fallback xmlns="">
+      <p:transition spd="med">
+        <p:fade/>
+      </p:transition>
+    </mc:Fallback>
+  </mc:AlternateContent>
+</p:sld>
+</file>
+
+<file path=ppt/slides/slide37.xml><?xml version="1.0" encoding="utf-8"?>
 <p:sld xmlns:a="http://schemas.openxmlformats.org/drawingml/2006/main" xmlns:r="http://schemas.openxmlformats.org/officeDocument/2006/relationships" xmlns:p="http://schemas.openxmlformats.org/presentationml/2006/main">
   <p:cSld>
     <p:spTree>
@@ -45038,7 +45244,7 @@
 </p:sld>
 </file>
 
-<file path=ppt/slides/slide37.xml><?xml version="1.0" encoding="utf-8"?>
+<file path=ppt/slides/slide38.xml><?xml version="1.0" encoding="utf-8"?>
 <p:sld xmlns:a="http://schemas.openxmlformats.org/drawingml/2006/main" xmlns:r="http://schemas.openxmlformats.org/officeDocument/2006/relationships" xmlns:p="http://schemas.openxmlformats.org/presentationml/2006/main">
   <p:cSld>
     <p:spTree>
@@ -45162,7 +45368,7 @@
 </p:sld>
 </file>
 
-<file path=ppt/slides/slide38.xml><?xml version="1.0" encoding="utf-8"?>
+<file path=ppt/slides/slide39.xml><?xml version="1.0" encoding="utf-8"?>
 <p:sld xmlns:a="http://schemas.openxmlformats.org/drawingml/2006/main" xmlns:r="http://schemas.openxmlformats.org/officeDocument/2006/relationships" xmlns:p="http://schemas.openxmlformats.org/presentationml/2006/main">
   <p:cSld>
     <p:spTree>
@@ -45248,20 +45454,6 @@
             </a:r>
           </a:p>
           <a:p>
-            <a:r>
-              <a:rPr lang="en-US" dirty="0"/>
-              <a:t>Applying password policies</a:t>
-            </a:r>
-          </a:p>
-          <a:p>
-            <a:r>
-              <a:rPr lang="en-US" dirty="0"/>
-              <a:t>Maintaining </a:t>
-            </a:r>
-            <a:r>
-              <a:rPr lang="en-US"/>
-              <a:t>authentication level</a:t>
-            </a:r>
             <a:endParaRPr lang="en-US" dirty="0"/>
           </a:p>
         </p:txBody>
@@ -45270,79 +45462,6 @@
     <p:extLst>
       <p:ext uri="{BB962C8B-B14F-4D97-AF65-F5344CB8AC3E}">
         <p14:creationId xmlns:p14="http://schemas.microsoft.com/office/powerpoint/2010/main" val="267288839"/>
-      </p:ext>
-    </p:extLst>
-  </p:cSld>
-  <p:clrMapOvr>
-    <a:masterClrMapping/>
-  </p:clrMapOvr>
-  <mc:AlternateContent xmlns:mc="http://schemas.openxmlformats.org/markup-compatibility/2006" xmlns:p14="http://schemas.microsoft.com/office/powerpoint/2010/main">
-    <mc:Choice Requires="p14">
-      <p:transition spd="med" p14:dur="700">
-        <p:fade/>
-      </p:transition>
-    </mc:Choice>
-    <mc:Fallback xmlns="">
-      <p:transition spd="med">
-        <p:fade/>
-      </p:transition>
-    </mc:Fallback>
-  </mc:AlternateContent>
-</p:sld>
-</file>
-
-<file path=ppt/slides/slide39.xml><?xml version="1.0" encoding="utf-8"?>
-<p:sld xmlns:a="http://schemas.openxmlformats.org/drawingml/2006/main" xmlns:r="http://schemas.openxmlformats.org/officeDocument/2006/relationships" xmlns:p="http://schemas.openxmlformats.org/presentationml/2006/main">
-  <p:cSld>
-    <p:spTree>
-      <p:nvGrpSpPr>
-        <p:cNvPr id="1" name=""/>
-        <p:cNvGrpSpPr/>
-        <p:nvPr/>
-      </p:nvGrpSpPr>
-      <p:grpSpPr>
-        <a:xfrm>
-          <a:off x="0" y="0"/>
-          <a:ext cx="0" cy="0"/>
-          <a:chOff x="0" y="0"/>
-          <a:chExt cx="0" cy="0"/>
-        </a:xfrm>
-      </p:grpSpPr>
-      <p:sp>
-        <p:nvSpPr>
-          <p:cNvPr id="2" name="Title 1"/>
-          <p:cNvSpPr>
-            <a:spLocks noGrp="1"/>
-          </p:cNvSpPr>
-          <p:nvPr>
-            <p:ph type="title"/>
-          </p:nvPr>
-        </p:nvSpPr>
-        <p:spPr>
-          <a:xfrm>
-            <a:off x="1141412" y="2819400"/>
-            <a:ext cx="9753600" cy="990600"/>
-          </a:xfrm>
-        </p:spPr>
-        <p:txBody>
-          <a:bodyPr>
-            <a:normAutofit/>
-          </a:bodyPr>
-          <a:lstStyle/>
-          <a:p>
-            <a:pPr algn="ctr"/>
-            <a:r>
-              <a:rPr lang="en-US" sz="3600"/>
-              <a:t>Questions?</a:t>
-            </a:r>
-            <a:endParaRPr lang="en-US" sz="3600" dirty="0"/>
-          </a:p>
-        </p:txBody>
-      </p:sp>
-    </p:spTree>
-    <p:extLst>
-      <p:ext uri="{BB962C8B-B14F-4D97-AF65-F5344CB8AC3E}">
-        <p14:creationId xmlns:p14="http://schemas.microsoft.com/office/powerpoint/2010/main" val="2685330324"/>
       </p:ext>
     </p:extLst>
   </p:cSld>
@@ -45468,13 +45587,8 @@
             </a:r>
             <a:r>
               <a:rPr lang="en-US" dirty="0"/>
-              <a:t> (IDE), </a:t>
+              <a:t> (IDE)</a:t>
             </a:r>
-            <a:r>
-              <a:rPr lang="en-US" dirty="0" err="1"/>
-              <a:t>Github</a:t>
-            </a:r>
-            <a:endParaRPr lang="en-US" dirty="0"/>
           </a:p>
           <a:p>
             <a:r>
@@ -45702,6 +45816,79 @@
     <p:extLst>
       <p:ext uri="{BB962C8B-B14F-4D97-AF65-F5344CB8AC3E}">
         <p14:creationId xmlns:p14="http://schemas.microsoft.com/office/powerpoint/2010/main" val="1441209333"/>
+      </p:ext>
+    </p:extLst>
+  </p:cSld>
+  <p:clrMapOvr>
+    <a:masterClrMapping/>
+  </p:clrMapOvr>
+  <mc:AlternateContent xmlns:mc="http://schemas.openxmlformats.org/markup-compatibility/2006" xmlns:p14="http://schemas.microsoft.com/office/powerpoint/2010/main">
+    <mc:Choice Requires="p14">
+      <p:transition spd="med" p14:dur="700">
+        <p:fade/>
+      </p:transition>
+    </mc:Choice>
+    <mc:Fallback xmlns="">
+      <p:transition spd="med">
+        <p:fade/>
+      </p:transition>
+    </mc:Fallback>
+  </mc:AlternateContent>
+</p:sld>
+</file>
+
+<file path=ppt/slides/slide40.xml><?xml version="1.0" encoding="utf-8"?>
+<p:sld xmlns:a="http://schemas.openxmlformats.org/drawingml/2006/main" xmlns:r="http://schemas.openxmlformats.org/officeDocument/2006/relationships" xmlns:p="http://schemas.openxmlformats.org/presentationml/2006/main">
+  <p:cSld>
+    <p:spTree>
+      <p:nvGrpSpPr>
+        <p:cNvPr id="1" name=""/>
+        <p:cNvGrpSpPr/>
+        <p:nvPr/>
+      </p:nvGrpSpPr>
+      <p:grpSpPr>
+        <a:xfrm>
+          <a:off x="0" y="0"/>
+          <a:ext cx="0" cy="0"/>
+          <a:chOff x="0" y="0"/>
+          <a:chExt cx="0" cy="0"/>
+        </a:xfrm>
+      </p:grpSpPr>
+      <p:sp>
+        <p:nvSpPr>
+          <p:cNvPr id="2" name="Title 1"/>
+          <p:cNvSpPr>
+            <a:spLocks noGrp="1"/>
+          </p:cNvSpPr>
+          <p:nvPr>
+            <p:ph type="title"/>
+          </p:nvPr>
+        </p:nvSpPr>
+        <p:spPr>
+          <a:xfrm>
+            <a:off x="1141412" y="2819400"/>
+            <a:ext cx="9753600" cy="990600"/>
+          </a:xfrm>
+        </p:spPr>
+        <p:txBody>
+          <a:bodyPr>
+            <a:normAutofit/>
+          </a:bodyPr>
+          <a:lstStyle/>
+          <a:p>
+            <a:pPr algn="ctr"/>
+            <a:r>
+              <a:rPr lang="en-US" sz="3600"/>
+              <a:t>Questions?</a:t>
+            </a:r>
+            <a:endParaRPr lang="en-US" sz="3600" dirty="0"/>
+          </a:p>
+        </p:txBody>
+      </p:sp>
+    </p:spTree>
+    <p:extLst>
+      <p:ext uri="{BB962C8B-B14F-4D97-AF65-F5344CB8AC3E}">
+        <p14:creationId xmlns:p14="http://schemas.microsoft.com/office/powerpoint/2010/main" val="2685330324"/>
       </p:ext>
     </p:extLst>
   </p:cSld>

--- a/Document/Rotary Youth Drive Awareness Project.pptx
+++ b/Document/Rotary Youth Drive Awareness Project.pptx
@@ -39606,7 +39606,15 @@
             <a:pPr algn="ctr"/>
             <a:r>
               <a:rPr lang="en-US" dirty="0"/>
-              <a:t>Rotary Youth Drive Awareness Project</a:t>
+              <a:t>Rotary </a:t>
+            </a:r>
+            <a:r>
+              <a:rPr lang="en-US"/>
+              <a:t>Youth Driving </a:t>
+            </a:r>
+            <a:r>
+              <a:rPr lang="en-US" dirty="0"/>
+              <a:t>Awareness Project</a:t>
             </a:r>
             <a:br>
               <a:rPr lang="en-US" dirty="0"/>
